--- a/Todo-Spring Boot Application-ErkanBeskardes.pptx
+++ b/Todo-Spring Boot Application-ErkanBeskardes.pptx
@@ -3177,7 +3177,7 @@
                 <a:cs typeface="Montserrat Bold"/>
                 <a:sym typeface="Montserrat Bold"/>
               </a:rPr>
-              <a:t>SPRING BOOT APPLICATION</a:t>
+              <a:t>SPRING BOOT API</a:t>
             </a:r>
           </a:p>
         </p:txBody>
@@ -8038,7 +8038,7 @@
         </p:nvSpPr>
         <p:spPr>
           <a:xfrm rot="0">
-            <a:off x="7617581" y="942975"/>
+            <a:off x="5065781" y="942975"/>
             <a:ext cx="8156439" cy="811530"/>
           </a:xfrm>
           <a:prstGeom prst="rect">
@@ -8051,7 +8051,7 @@
           </a:bodyPr>
           <a:lstStyle/>
           <a:p>
-            <a:pPr algn="l">
+            <a:pPr algn="ctr">
               <a:lnSpc>
                 <a:spcPts val="6719"/>
               </a:lnSpc>
